--- a/20150313-qcon_sf_2015_conference_report.pptx
+++ b/20150313-qcon_sf_2015_conference_report.pptx
@@ -213,7 +213,7 @@
           <a:p>
             <a:fld id="{740616EA-7DD0-4941-A75A-3667382BAFA7}" type="datetimeFigureOut">
               <a:rPr lang="en-AU" smtClean="0"/>
-              <a:t>20/01/2016</a:t>
+              <a:t>6/06/2016</a:t>
             </a:fld>
             <a:endParaRPr lang="en-AU"/>
           </a:p>
@@ -379,7 +379,7 @@
           <a:p>
             <a:fld id="{587278A0-4A02-4D4B-A8AB-1E1752F8063F}" type="datetimeFigureOut">
               <a:rPr lang="en-AU" smtClean="0"/>
-              <a:t>20/01/2016</a:t>
+              <a:t>6/06/2016</a:t>
             </a:fld>
             <a:endParaRPr lang="en-AU"/>
           </a:p>
@@ -1459,7 +1459,7 @@
           <a:p>
             <a:fld id="{0EAB0777-4C60-462E-A92C-CDAFD498799C}" type="datetimeFigureOut">
               <a:rPr lang="en-US" smtClean="0"/>
-              <a:t>1/20/2016</a:t>
+              <a:t>6/6/2016</a:t>
             </a:fld>
             <a:endParaRPr lang="en-US"/>
           </a:p>
@@ -1628,7 +1628,7 @@
           <a:p>
             <a:fld id="{0EAB0777-4C60-462E-A92C-CDAFD498799C}" type="datetimeFigureOut">
               <a:rPr lang="en-US" smtClean="0"/>
-              <a:t>1/20/2016</a:t>
+              <a:t>6/6/2016</a:t>
             </a:fld>
             <a:endParaRPr lang="en-US"/>
           </a:p>
@@ -1874,7 +1874,7 @@
           <a:p>
             <a:fld id="{0EAB0777-4C60-462E-A92C-CDAFD498799C}" type="datetimeFigureOut">
               <a:rPr lang="en-US" smtClean="0"/>
-              <a:t>1/20/2016</a:t>
+              <a:t>6/6/2016</a:t>
             </a:fld>
             <a:endParaRPr lang="en-US"/>
           </a:p>
@@ -2142,7 +2142,7 @@
           <a:p>
             <a:fld id="{0EAB0777-4C60-462E-A92C-CDAFD498799C}" type="datetimeFigureOut">
               <a:rPr lang="en-US" smtClean="0"/>
-              <a:t>1/20/2016</a:t>
+              <a:t>6/6/2016</a:t>
             </a:fld>
             <a:endParaRPr lang="en-US"/>
           </a:p>
@@ -2524,7 +2524,7 @@
           <a:p>
             <a:fld id="{0EAB0777-4C60-462E-A92C-CDAFD498799C}" type="datetimeFigureOut">
               <a:rPr lang="en-US" smtClean="0"/>
-              <a:t>1/20/2016</a:t>
+              <a:t>6/6/2016</a:t>
             </a:fld>
             <a:endParaRPr lang="en-US"/>
           </a:p>
@@ -2678,7 +2678,7 @@
           <a:p>
             <a:fld id="{0EAB0777-4C60-462E-A92C-CDAFD498799C}" type="datetimeFigureOut">
               <a:rPr lang="en-US" smtClean="0"/>
-              <a:t>1/20/2016</a:t>
+              <a:t>6/6/2016</a:t>
             </a:fld>
             <a:endParaRPr lang="en-US"/>
           </a:p>
@@ -2772,7 +2772,7 @@
           <a:p>
             <a:fld id="{0EAB0777-4C60-462E-A92C-CDAFD498799C}" type="datetimeFigureOut">
               <a:rPr lang="en-US" smtClean="0"/>
-              <a:t>1/20/2016</a:t>
+              <a:t>6/6/2016</a:t>
             </a:fld>
             <a:endParaRPr lang="en-US"/>
           </a:p>
@@ -3037,7 +3037,7 @@
           <a:p>
             <a:fld id="{0EAB0777-4C60-462E-A92C-CDAFD498799C}" type="datetimeFigureOut">
               <a:rPr lang="en-US" smtClean="0"/>
-              <a:t>1/20/2016</a:t>
+              <a:t>6/6/2016</a:t>
             </a:fld>
             <a:endParaRPr lang="en-US"/>
           </a:p>
@@ -3520,7 +3520,7 @@
           <a:p>
             <a:fld id="{0EAB0777-4C60-462E-A92C-CDAFD498799C}" type="datetimeFigureOut">
               <a:rPr lang="en-US" smtClean="0"/>
-              <a:t>1/20/2016</a:t>
+              <a:t>6/6/2016</a:t>
             </a:fld>
             <a:endParaRPr lang="en-US"/>
           </a:p>
@@ -3996,7 +3996,7 @@
           <a:p>
             <a:fld id="{0EAB0777-4C60-462E-A92C-CDAFD498799C}" type="datetimeFigureOut">
               <a:rPr lang="en-US" smtClean="0"/>
-              <a:t>1/20/2016</a:t>
+              <a:t>6/6/2016</a:t>
             </a:fld>
             <a:endParaRPr lang="en-US"/>
           </a:p>
@@ -4175,7 +4175,7 @@
           <a:p>
             <a:fld id="{0EAB0777-4C60-462E-A92C-CDAFD498799C}" type="datetimeFigureOut">
               <a:rPr lang="en-US" smtClean="0"/>
-              <a:t>1/20/2016</a:t>
+              <a:t>6/6/2016</a:t>
             </a:fld>
             <a:endParaRPr lang="en-US"/>
           </a:p>
@@ -6818,7 +6818,7 @@
           <a:p>
             <a:fld id="{0EAB0777-4C60-462E-A92C-CDAFD498799C}" type="datetimeFigureOut">
               <a:rPr lang="en-US" smtClean="0"/>
-              <a:t>1/20/2016</a:t>
+              <a:t>6/6/2016</a:t>
             </a:fld>
             <a:endParaRPr lang="en-US"/>
           </a:p>
@@ -10431,8 +10431,8 @@
               <a:t>News, articles, books, videos </a:t>
             </a:r>
             <a:r>
-              <a:rPr lang="en-US" sz="2000" dirty="0" err="1" smtClean="0"/>
-              <a:t>etc</a:t>
+              <a:rPr lang="en-US" sz="2000" dirty="0" smtClean="0"/>
+              <a:t>etc.</a:t>
             </a:r>
             <a:endParaRPr lang="en-US" sz="2000" dirty="0" smtClean="0"/>
           </a:p>
